--- a/lesson_10/presentation/zynq_system_1v.pptx
+++ b/lesson_10/presentation/zynq_system_1v.pptx
@@ -109,7 +109,7 @@
   </p:defaultTextStyle>
   <p:extLst>
     <p:ext uri="{EFAFB233-063F-42B5-8137-9DF3F51BA10A}">
-      <p15:sldGuideLst xmlns:p15="http://schemas.microsoft.com/office/powerpoint/2012/main">
+      <p15:sldGuideLst xmlns:p15="http://schemas.microsoft.com/office/powerpoint/2012/main" xmlns="">
         <p15:guide id="1" orient="horz" pos="2160">
           <p15:clr>
             <a:srgbClr val="A4A3A4"/>
@@ -148,7 +148,7 @@
           <p:cNvPr id="2" name="Заголовок 1">
             <a:extLst>
               <a:ext uri="{FF2B5EF4-FFF2-40B4-BE49-F238E27FC236}">
-                <a16:creationId xmlns:a16="http://schemas.microsoft.com/office/drawing/2014/main" id="{68D4DC3B-1BEF-4286-BD54-EC87972FC882}"/>
+                <a16:creationId xmlns:a16="http://schemas.microsoft.com/office/drawing/2014/main" xmlns="" id="{68D4DC3B-1BEF-4286-BD54-EC87972FC882}"/>
               </a:ext>
             </a:extLst>
           </p:cNvPr>
@@ -186,7 +186,7 @@
           <p:cNvPr id="3" name="Подзаголовок 2">
             <a:extLst>
               <a:ext uri="{FF2B5EF4-FFF2-40B4-BE49-F238E27FC236}">
-                <a16:creationId xmlns:a16="http://schemas.microsoft.com/office/drawing/2014/main" id="{B851B08E-AA85-4FC1-8C88-55A46458ABDC}"/>
+                <a16:creationId xmlns:a16="http://schemas.microsoft.com/office/drawing/2014/main" xmlns="" id="{B851B08E-AA85-4FC1-8C88-55A46458ABDC}"/>
               </a:ext>
             </a:extLst>
           </p:cNvPr>
@@ -257,7 +257,7 @@
           <p:cNvPr id="4" name="Дата 3">
             <a:extLst>
               <a:ext uri="{FF2B5EF4-FFF2-40B4-BE49-F238E27FC236}">
-                <a16:creationId xmlns:a16="http://schemas.microsoft.com/office/drawing/2014/main" id="{D30D6AB0-4C60-41A0-9A05-1E198B120DBA}"/>
+                <a16:creationId xmlns:a16="http://schemas.microsoft.com/office/drawing/2014/main" xmlns="" id="{D30D6AB0-4C60-41A0-9A05-1E198B120DBA}"/>
               </a:ext>
             </a:extLst>
           </p:cNvPr>
@@ -275,7 +275,7 @@
           <a:p>
             <a:fld id="{B9E40912-773D-4C01-815F-02B5A41D867C}" type="datetimeFigureOut">
               <a:rPr lang="x-none" smtClean="0"/>
-              <a:t>28.12.2020</a:t>
+              <a:t>03.01.2021</a:t>
             </a:fld>
             <a:endParaRPr lang="x-none"/>
           </a:p>
@@ -286,7 +286,7 @@
           <p:cNvPr id="5" name="Нижний колонтитул 4">
             <a:extLst>
               <a:ext uri="{FF2B5EF4-FFF2-40B4-BE49-F238E27FC236}">
-                <a16:creationId xmlns:a16="http://schemas.microsoft.com/office/drawing/2014/main" id="{12859BA2-B7D0-4340-B342-D95BDF414603}"/>
+                <a16:creationId xmlns:a16="http://schemas.microsoft.com/office/drawing/2014/main" xmlns="" id="{12859BA2-B7D0-4340-B342-D95BDF414603}"/>
               </a:ext>
             </a:extLst>
           </p:cNvPr>
@@ -311,7 +311,7 @@
           <p:cNvPr id="6" name="Номер слайда 5">
             <a:extLst>
               <a:ext uri="{FF2B5EF4-FFF2-40B4-BE49-F238E27FC236}">
-                <a16:creationId xmlns:a16="http://schemas.microsoft.com/office/drawing/2014/main" id="{C75AD772-AAE8-43E3-B0BE-73A84EFE0955}"/>
+                <a16:creationId xmlns:a16="http://schemas.microsoft.com/office/drawing/2014/main" xmlns="" id="{C75AD772-AAE8-43E3-B0BE-73A84EFE0955}"/>
               </a:ext>
             </a:extLst>
           </p:cNvPr>
@@ -370,7 +370,7 @@
           <p:cNvPr id="2" name="Заголовок 1">
             <a:extLst>
               <a:ext uri="{FF2B5EF4-FFF2-40B4-BE49-F238E27FC236}">
-                <a16:creationId xmlns:a16="http://schemas.microsoft.com/office/drawing/2014/main" id="{6C1F64F6-2CFA-493A-8C2F-189E2DF26FF4}"/>
+                <a16:creationId xmlns:a16="http://schemas.microsoft.com/office/drawing/2014/main" xmlns="" id="{6C1F64F6-2CFA-493A-8C2F-189E2DF26FF4}"/>
               </a:ext>
             </a:extLst>
           </p:cNvPr>
@@ -399,7 +399,7 @@
           <p:cNvPr id="3" name="Вертикальный текст 2">
             <a:extLst>
               <a:ext uri="{FF2B5EF4-FFF2-40B4-BE49-F238E27FC236}">
-                <a16:creationId xmlns:a16="http://schemas.microsoft.com/office/drawing/2014/main" id="{2CA6F65A-0FB3-4E27-9B8B-10BD86181E8A}"/>
+                <a16:creationId xmlns:a16="http://schemas.microsoft.com/office/drawing/2014/main" xmlns="" id="{2CA6F65A-0FB3-4E27-9B8B-10BD86181E8A}"/>
               </a:ext>
             </a:extLst>
           </p:cNvPr>
@@ -457,7 +457,7 @@
           <p:cNvPr id="4" name="Дата 3">
             <a:extLst>
               <a:ext uri="{FF2B5EF4-FFF2-40B4-BE49-F238E27FC236}">
-                <a16:creationId xmlns:a16="http://schemas.microsoft.com/office/drawing/2014/main" id="{2CAB5F60-A97F-4587-9D0E-DE146E1E63C3}"/>
+                <a16:creationId xmlns:a16="http://schemas.microsoft.com/office/drawing/2014/main" xmlns="" id="{2CAB5F60-A97F-4587-9D0E-DE146E1E63C3}"/>
               </a:ext>
             </a:extLst>
           </p:cNvPr>
@@ -475,7 +475,7 @@
           <a:p>
             <a:fld id="{B9E40912-773D-4C01-815F-02B5A41D867C}" type="datetimeFigureOut">
               <a:rPr lang="x-none" smtClean="0"/>
-              <a:t>28.12.2020</a:t>
+              <a:t>03.01.2021</a:t>
             </a:fld>
             <a:endParaRPr lang="x-none"/>
           </a:p>
@@ -486,7 +486,7 @@
           <p:cNvPr id="5" name="Нижний колонтитул 4">
             <a:extLst>
               <a:ext uri="{FF2B5EF4-FFF2-40B4-BE49-F238E27FC236}">
-                <a16:creationId xmlns:a16="http://schemas.microsoft.com/office/drawing/2014/main" id="{35E2453A-FFFA-449A-9D03-AC7DEEA38689}"/>
+                <a16:creationId xmlns:a16="http://schemas.microsoft.com/office/drawing/2014/main" xmlns="" id="{35E2453A-FFFA-449A-9D03-AC7DEEA38689}"/>
               </a:ext>
             </a:extLst>
           </p:cNvPr>
@@ -511,7 +511,7 @@
           <p:cNvPr id="6" name="Номер слайда 5">
             <a:extLst>
               <a:ext uri="{FF2B5EF4-FFF2-40B4-BE49-F238E27FC236}">
-                <a16:creationId xmlns:a16="http://schemas.microsoft.com/office/drawing/2014/main" id="{3F7949A2-3F51-44FE-9537-3FB57F60F303}"/>
+                <a16:creationId xmlns:a16="http://schemas.microsoft.com/office/drawing/2014/main" xmlns="" id="{3F7949A2-3F51-44FE-9537-3FB57F60F303}"/>
               </a:ext>
             </a:extLst>
           </p:cNvPr>
@@ -570,7 +570,7 @@
           <p:cNvPr id="2" name="Вертикальный заголовок 1">
             <a:extLst>
               <a:ext uri="{FF2B5EF4-FFF2-40B4-BE49-F238E27FC236}">
-                <a16:creationId xmlns:a16="http://schemas.microsoft.com/office/drawing/2014/main" id="{539C95AB-7C1F-4E00-A74E-E1FEE5003C5B}"/>
+                <a16:creationId xmlns:a16="http://schemas.microsoft.com/office/drawing/2014/main" xmlns="" id="{539C95AB-7C1F-4E00-A74E-E1FEE5003C5B}"/>
               </a:ext>
             </a:extLst>
           </p:cNvPr>
@@ -604,7 +604,7 @@
           <p:cNvPr id="3" name="Вертикальный текст 2">
             <a:extLst>
               <a:ext uri="{FF2B5EF4-FFF2-40B4-BE49-F238E27FC236}">
-                <a16:creationId xmlns:a16="http://schemas.microsoft.com/office/drawing/2014/main" id="{9E9A2A65-F691-4A1C-A0C7-55B3D58166F9}"/>
+                <a16:creationId xmlns:a16="http://schemas.microsoft.com/office/drawing/2014/main" xmlns="" id="{9E9A2A65-F691-4A1C-A0C7-55B3D58166F9}"/>
               </a:ext>
             </a:extLst>
           </p:cNvPr>
@@ -667,7 +667,7 @@
           <p:cNvPr id="4" name="Дата 3">
             <a:extLst>
               <a:ext uri="{FF2B5EF4-FFF2-40B4-BE49-F238E27FC236}">
-                <a16:creationId xmlns:a16="http://schemas.microsoft.com/office/drawing/2014/main" id="{60C97C1B-1187-420C-85F6-35ADD043627E}"/>
+                <a16:creationId xmlns:a16="http://schemas.microsoft.com/office/drawing/2014/main" xmlns="" id="{60C97C1B-1187-420C-85F6-35ADD043627E}"/>
               </a:ext>
             </a:extLst>
           </p:cNvPr>
@@ -685,7 +685,7 @@
           <a:p>
             <a:fld id="{B9E40912-773D-4C01-815F-02B5A41D867C}" type="datetimeFigureOut">
               <a:rPr lang="x-none" smtClean="0"/>
-              <a:t>28.12.2020</a:t>
+              <a:t>03.01.2021</a:t>
             </a:fld>
             <a:endParaRPr lang="x-none"/>
           </a:p>
@@ -696,7 +696,7 @@
           <p:cNvPr id="5" name="Нижний колонтитул 4">
             <a:extLst>
               <a:ext uri="{FF2B5EF4-FFF2-40B4-BE49-F238E27FC236}">
-                <a16:creationId xmlns:a16="http://schemas.microsoft.com/office/drawing/2014/main" id="{BEDB8844-00A5-4BA1-8F32-01BC0D7DFB27}"/>
+                <a16:creationId xmlns:a16="http://schemas.microsoft.com/office/drawing/2014/main" xmlns="" id="{BEDB8844-00A5-4BA1-8F32-01BC0D7DFB27}"/>
               </a:ext>
             </a:extLst>
           </p:cNvPr>
@@ -721,7 +721,7 @@
           <p:cNvPr id="6" name="Номер слайда 5">
             <a:extLst>
               <a:ext uri="{FF2B5EF4-FFF2-40B4-BE49-F238E27FC236}">
-                <a16:creationId xmlns:a16="http://schemas.microsoft.com/office/drawing/2014/main" id="{57297F95-163C-4FAC-A571-221DC36E4D83}"/>
+                <a16:creationId xmlns:a16="http://schemas.microsoft.com/office/drawing/2014/main" xmlns="" id="{57297F95-163C-4FAC-A571-221DC36E4D83}"/>
               </a:ext>
             </a:extLst>
           </p:cNvPr>
@@ -780,7 +780,7 @@
           <p:cNvPr id="2" name="Заголовок 1">
             <a:extLst>
               <a:ext uri="{FF2B5EF4-FFF2-40B4-BE49-F238E27FC236}">
-                <a16:creationId xmlns:a16="http://schemas.microsoft.com/office/drawing/2014/main" id="{FCDD8091-0475-4727-B9D3-917EF53639FF}"/>
+                <a16:creationId xmlns:a16="http://schemas.microsoft.com/office/drawing/2014/main" xmlns="" id="{FCDD8091-0475-4727-B9D3-917EF53639FF}"/>
               </a:ext>
             </a:extLst>
           </p:cNvPr>
@@ -809,7 +809,7 @@
           <p:cNvPr id="3" name="Объект 2">
             <a:extLst>
               <a:ext uri="{FF2B5EF4-FFF2-40B4-BE49-F238E27FC236}">
-                <a16:creationId xmlns:a16="http://schemas.microsoft.com/office/drawing/2014/main" id="{098FA3C3-61CC-4A06-AF47-F024CCC1421D}"/>
+                <a16:creationId xmlns:a16="http://schemas.microsoft.com/office/drawing/2014/main" xmlns="" id="{098FA3C3-61CC-4A06-AF47-F024CCC1421D}"/>
               </a:ext>
             </a:extLst>
           </p:cNvPr>
@@ -867,7 +867,7 @@
           <p:cNvPr id="4" name="Дата 3">
             <a:extLst>
               <a:ext uri="{FF2B5EF4-FFF2-40B4-BE49-F238E27FC236}">
-                <a16:creationId xmlns:a16="http://schemas.microsoft.com/office/drawing/2014/main" id="{ED902AF0-6F85-4F11-94D2-5008B6C494A2}"/>
+                <a16:creationId xmlns:a16="http://schemas.microsoft.com/office/drawing/2014/main" xmlns="" id="{ED902AF0-6F85-4F11-94D2-5008B6C494A2}"/>
               </a:ext>
             </a:extLst>
           </p:cNvPr>
@@ -885,7 +885,7 @@
           <a:p>
             <a:fld id="{B9E40912-773D-4C01-815F-02B5A41D867C}" type="datetimeFigureOut">
               <a:rPr lang="x-none" smtClean="0"/>
-              <a:t>28.12.2020</a:t>
+              <a:t>03.01.2021</a:t>
             </a:fld>
             <a:endParaRPr lang="x-none"/>
           </a:p>
@@ -896,7 +896,7 @@
           <p:cNvPr id="5" name="Нижний колонтитул 4">
             <a:extLst>
               <a:ext uri="{FF2B5EF4-FFF2-40B4-BE49-F238E27FC236}">
-                <a16:creationId xmlns:a16="http://schemas.microsoft.com/office/drawing/2014/main" id="{93B82F7F-7461-46FC-AF41-C4A5F885D864}"/>
+                <a16:creationId xmlns:a16="http://schemas.microsoft.com/office/drawing/2014/main" xmlns="" id="{93B82F7F-7461-46FC-AF41-C4A5F885D864}"/>
               </a:ext>
             </a:extLst>
           </p:cNvPr>
@@ -921,7 +921,7 @@
           <p:cNvPr id="6" name="Номер слайда 5">
             <a:extLst>
               <a:ext uri="{FF2B5EF4-FFF2-40B4-BE49-F238E27FC236}">
-                <a16:creationId xmlns:a16="http://schemas.microsoft.com/office/drawing/2014/main" id="{F09336CD-F4E1-43B8-9017-1ECC3965ABA3}"/>
+                <a16:creationId xmlns:a16="http://schemas.microsoft.com/office/drawing/2014/main" xmlns="" id="{F09336CD-F4E1-43B8-9017-1ECC3965ABA3}"/>
               </a:ext>
             </a:extLst>
           </p:cNvPr>
@@ -980,7 +980,7 @@
           <p:cNvPr id="2" name="Заголовок 1">
             <a:extLst>
               <a:ext uri="{FF2B5EF4-FFF2-40B4-BE49-F238E27FC236}">
-                <a16:creationId xmlns:a16="http://schemas.microsoft.com/office/drawing/2014/main" id="{0E2191CA-FAAF-463E-9452-21BF3A09918D}"/>
+                <a16:creationId xmlns:a16="http://schemas.microsoft.com/office/drawing/2014/main" xmlns="" id="{0E2191CA-FAAF-463E-9452-21BF3A09918D}"/>
               </a:ext>
             </a:extLst>
           </p:cNvPr>
@@ -1018,7 +1018,7 @@
           <p:cNvPr id="3" name="Текст 2">
             <a:extLst>
               <a:ext uri="{FF2B5EF4-FFF2-40B4-BE49-F238E27FC236}">
-                <a16:creationId xmlns:a16="http://schemas.microsoft.com/office/drawing/2014/main" id="{F6ABAB5F-EE34-4E16-B471-3DD01ED6DC3E}"/>
+                <a16:creationId xmlns:a16="http://schemas.microsoft.com/office/drawing/2014/main" xmlns="" id="{F6ABAB5F-EE34-4E16-B471-3DD01ED6DC3E}"/>
               </a:ext>
             </a:extLst>
           </p:cNvPr>
@@ -1143,7 +1143,7 @@
           <p:cNvPr id="4" name="Дата 3">
             <a:extLst>
               <a:ext uri="{FF2B5EF4-FFF2-40B4-BE49-F238E27FC236}">
-                <a16:creationId xmlns:a16="http://schemas.microsoft.com/office/drawing/2014/main" id="{07B5B64D-323B-4B92-B19C-3195647FDDD2}"/>
+                <a16:creationId xmlns:a16="http://schemas.microsoft.com/office/drawing/2014/main" xmlns="" id="{07B5B64D-323B-4B92-B19C-3195647FDDD2}"/>
               </a:ext>
             </a:extLst>
           </p:cNvPr>
@@ -1161,7 +1161,7 @@
           <a:p>
             <a:fld id="{B9E40912-773D-4C01-815F-02B5A41D867C}" type="datetimeFigureOut">
               <a:rPr lang="x-none" smtClean="0"/>
-              <a:t>28.12.2020</a:t>
+              <a:t>03.01.2021</a:t>
             </a:fld>
             <a:endParaRPr lang="x-none"/>
           </a:p>
@@ -1172,7 +1172,7 @@
           <p:cNvPr id="5" name="Нижний колонтитул 4">
             <a:extLst>
               <a:ext uri="{FF2B5EF4-FFF2-40B4-BE49-F238E27FC236}">
-                <a16:creationId xmlns:a16="http://schemas.microsoft.com/office/drawing/2014/main" id="{68A5D02F-E780-45BB-A88D-704A3CCA576D}"/>
+                <a16:creationId xmlns:a16="http://schemas.microsoft.com/office/drawing/2014/main" xmlns="" id="{68A5D02F-E780-45BB-A88D-704A3CCA576D}"/>
               </a:ext>
             </a:extLst>
           </p:cNvPr>
@@ -1197,7 +1197,7 @@
           <p:cNvPr id="6" name="Номер слайда 5">
             <a:extLst>
               <a:ext uri="{FF2B5EF4-FFF2-40B4-BE49-F238E27FC236}">
-                <a16:creationId xmlns:a16="http://schemas.microsoft.com/office/drawing/2014/main" id="{37788349-F68C-4803-A647-3FC9A83E08B4}"/>
+                <a16:creationId xmlns:a16="http://schemas.microsoft.com/office/drawing/2014/main" xmlns="" id="{37788349-F68C-4803-A647-3FC9A83E08B4}"/>
               </a:ext>
             </a:extLst>
           </p:cNvPr>
@@ -1256,7 +1256,7 @@
           <p:cNvPr id="2" name="Заголовок 1">
             <a:extLst>
               <a:ext uri="{FF2B5EF4-FFF2-40B4-BE49-F238E27FC236}">
-                <a16:creationId xmlns:a16="http://schemas.microsoft.com/office/drawing/2014/main" id="{13D3028D-1AAD-4EE3-A9B7-268C5D8EB0E1}"/>
+                <a16:creationId xmlns:a16="http://schemas.microsoft.com/office/drawing/2014/main" xmlns="" id="{13D3028D-1AAD-4EE3-A9B7-268C5D8EB0E1}"/>
               </a:ext>
             </a:extLst>
           </p:cNvPr>
@@ -1285,7 +1285,7 @@
           <p:cNvPr id="3" name="Объект 2">
             <a:extLst>
               <a:ext uri="{FF2B5EF4-FFF2-40B4-BE49-F238E27FC236}">
-                <a16:creationId xmlns:a16="http://schemas.microsoft.com/office/drawing/2014/main" id="{075CF01D-EEA4-47B0-B52B-13694B1EC15A}"/>
+                <a16:creationId xmlns:a16="http://schemas.microsoft.com/office/drawing/2014/main" xmlns="" id="{075CF01D-EEA4-47B0-B52B-13694B1EC15A}"/>
               </a:ext>
             </a:extLst>
           </p:cNvPr>
@@ -1348,7 +1348,7 @@
           <p:cNvPr id="4" name="Объект 3">
             <a:extLst>
               <a:ext uri="{FF2B5EF4-FFF2-40B4-BE49-F238E27FC236}">
-                <a16:creationId xmlns:a16="http://schemas.microsoft.com/office/drawing/2014/main" id="{91A75FF5-7B23-425D-A77D-309823C4163A}"/>
+                <a16:creationId xmlns:a16="http://schemas.microsoft.com/office/drawing/2014/main" xmlns="" id="{91A75FF5-7B23-425D-A77D-309823C4163A}"/>
               </a:ext>
             </a:extLst>
           </p:cNvPr>
@@ -1411,7 +1411,7 @@
           <p:cNvPr id="5" name="Дата 4">
             <a:extLst>
               <a:ext uri="{FF2B5EF4-FFF2-40B4-BE49-F238E27FC236}">
-                <a16:creationId xmlns:a16="http://schemas.microsoft.com/office/drawing/2014/main" id="{B3A58082-658E-4C70-A20F-4EFBDFA0EEEE}"/>
+                <a16:creationId xmlns:a16="http://schemas.microsoft.com/office/drawing/2014/main" xmlns="" id="{B3A58082-658E-4C70-A20F-4EFBDFA0EEEE}"/>
               </a:ext>
             </a:extLst>
           </p:cNvPr>
@@ -1429,7 +1429,7 @@
           <a:p>
             <a:fld id="{B9E40912-773D-4C01-815F-02B5A41D867C}" type="datetimeFigureOut">
               <a:rPr lang="x-none" smtClean="0"/>
-              <a:t>28.12.2020</a:t>
+              <a:t>03.01.2021</a:t>
             </a:fld>
             <a:endParaRPr lang="x-none"/>
           </a:p>
@@ -1440,7 +1440,7 @@
           <p:cNvPr id="6" name="Нижний колонтитул 5">
             <a:extLst>
               <a:ext uri="{FF2B5EF4-FFF2-40B4-BE49-F238E27FC236}">
-                <a16:creationId xmlns:a16="http://schemas.microsoft.com/office/drawing/2014/main" id="{25466CF4-32C8-4D50-A5D0-324D717B17D9}"/>
+                <a16:creationId xmlns:a16="http://schemas.microsoft.com/office/drawing/2014/main" xmlns="" id="{25466CF4-32C8-4D50-A5D0-324D717B17D9}"/>
               </a:ext>
             </a:extLst>
           </p:cNvPr>
@@ -1465,7 +1465,7 @@
           <p:cNvPr id="7" name="Номер слайда 6">
             <a:extLst>
               <a:ext uri="{FF2B5EF4-FFF2-40B4-BE49-F238E27FC236}">
-                <a16:creationId xmlns:a16="http://schemas.microsoft.com/office/drawing/2014/main" id="{39246754-6639-4E8D-96C7-894C502D2E57}"/>
+                <a16:creationId xmlns:a16="http://schemas.microsoft.com/office/drawing/2014/main" xmlns="" id="{39246754-6639-4E8D-96C7-894C502D2E57}"/>
               </a:ext>
             </a:extLst>
           </p:cNvPr>
@@ -1524,7 +1524,7 @@
           <p:cNvPr id="2" name="Заголовок 1">
             <a:extLst>
               <a:ext uri="{FF2B5EF4-FFF2-40B4-BE49-F238E27FC236}">
-                <a16:creationId xmlns:a16="http://schemas.microsoft.com/office/drawing/2014/main" id="{7DF94354-AF37-4059-858E-8381679DF0B2}"/>
+                <a16:creationId xmlns:a16="http://schemas.microsoft.com/office/drawing/2014/main" xmlns="" id="{7DF94354-AF37-4059-858E-8381679DF0B2}"/>
               </a:ext>
             </a:extLst>
           </p:cNvPr>
@@ -1558,7 +1558,7 @@
           <p:cNvPr id="3" name="Текст 2">
             <a:extLst>
               <a:ext uri="{FF2B5EF4-FFF2-40B4-BE49-F238E27FC236}">
-                <a16:creationId xmlns:a16="http://schemas.microsoft.com/office/drawing/2014/main" id="{A56DA616-46C1-45AD-8CF5-4722C674456B}"/>
+                <a16:creationId xmlns:a16="http://schemas.microsoft.com/office/drawing/2014/main" xmlns="" id="{A56DA616-46C1-45AD-8CF5-4722C674456B}"/>
               </a:ext>
             </a:extLst>
           </p:cNvPr>
@@ -1629,7 +1629,7 @@
           <p:cNvPr id="4" name="Объект 3">
             <a:extLst>
               <a:ext uri="{FF2B5EF4-FFF2-40B4-BE49-F238E27FC236}">
-                <a16:creationId xmlns:a16="http://schemas.microsoft.com/office/drawing/2014/main" id="{89785EA9-5841-47DE-9096-5B4DFF52C4C6}"/>
+                <a16:creationId xmlns:a16="http://schemas.microsoft.com/office/drawing/2014/main" xmlns="" id="{89785EA9-5841-47DE-9096-5B4DFF52C4C6}"/>
               </a:ext>
             </a:extLst>
           </p:cNvPr>
@@ -1692,7 +1692,7 @@
           <p:cNvPr id="5" name="Текст 4">
             <a:extLst>
               <a:ext uri="{FF2B5EF4-FFF2-40B4-BE49-F238E27FC236}">
-                <a16:creationId xmlns:a16="http://schemas.microsoft.com/office/drawing/2014/main" id="{2CF1AF15-586F-43DF-9143-BEF1708470C1}"/>
+                <a16:creationId xmlns:a16="http://schemas.microsoft.com/office/drawing/2014/main" xmlns="" id="{2CF1AF15-586F-43DF-9143-BEF1708470C1}"/>
               </a:ext>
             </a:extLst>
           </p:cNvPr>
@@ -1763,7 +1763,7 @@
           <p:cNvPr id="6" name="Объект 5">
             <a:extLst>
               <a:ext uri="{FF2B5EF4-FFF2-40B4-BE49-F238E27FC236}">
-                <a16:creationId xmlns:a16="http://schemas.microsoft.com/office/drawing/2014/main" id="{F17A1C78-731F-4AE4-BF02-7A1FC6A941F2}"/>
+                <a16:creationId xmlns:a16="http://schemas.microsoft.com/office/drawing/2014/main" xmlns="" id="{F17A1C78-731F-4AE4-BF02-7A1FC6A941F2}"/>
               </a:ext>
             </a:extLst>
           </p:cNvPr>
@@ -1826,7 +1826,7 @@
           <p:cNvPr id="7" name="Дата 6">
             <a:extLst>
               <a:ext uri="{FF2B5EF4-FFF2-40B4-BE49-F238E27FC236}">
-                <a16:creationId xmlns:a16="http://schemas.microsoft.com/office/drawing/2014/main" id="{473FA593-4955-42F1-B8EB-9EDF5B0ED238}"/>
+                <a16:creationId xmlns:a16="http://schemas.microsoft.com/office/drawing/2014/main" xmlns="" id="{473FA593-4955-42F1-B8EB-9EDF5B0ED238}"/>
               </a:ext>
             </a:extLst>
           </p:cNvPr>
@@ -1844,7 +1844,7 @@
           <a:p>
             <a:fld id="{B9E40912-773D-4C01-815F-02B5A41D867C}" type="datetimeFigureOut">
               <a:rPr lang="x-none" smtClean="0"/>
-              <a:t>28.12.2020</a:t>
+              <a:t>03.01.2021</a:t>
             </a:fld>
             <a:endParaRPr lang="x-none"/>
           </a:p>
@@ -1855,7 +1855,7 @@
           <p:cNvPr id="8" name="Нижний колонтитул 7">
             <a:extLst>
               <a:ext uri="{FF2B5EF4-FFF2-40B4-BE49-F238E27FC236}">
-                <a16:creationId xmlns:a16="http://schemas.microsoft.com/office/drawing/2014/main" id="{19C00525-0CFC-4988-8731-71DF9C062DB8}"/>
+                <a16:creationId xmlns:a16="http://schemas.microsoft.com/office/drawing/2014/main" xmlns="" id="{19C00525-0CFC-4988-8731-71DF9C062DB8}"/>
               </a:ext>
             </a:extLst>
           </p:cNvPr>
@@ -1880,7 +1880,7 @@
           <p:cNvPr id="9" name="Номер слайда 8">
             <a:extLst>
               <a:ext uri="{FF2B5EF4-FFF2-40B4-BE49-F238E27FC236}">
-                <a16:creationId xmlns:a16="http://schemas.microsoft.com/office/drawing/2014/main" id="{9032A76D-46A8-4B2B-8B6E-8859F90C7533}"/>
+                <a16:creationId xmlns:a16="http://schemas.microsoft.com/office/drawing/2014/main" xmlns="" id="{9032A76D-46A8-4B2B-8B6E-8859F90C7533}"/>
               </a:ext>
             </a:extLst>
           </p:cNvPr>
@@ -1939,7 +1939,7 @@
           <p:cNvPr id="2" name="Заголовок 1">
             <a:extLst>
               <a:ext uri="{FF2B5EF4-FFF2-40B4-BE49-F238E27FC236}">
-                <a16:creationId xmlns:a16="http://schemas.microsoft.com/office/drawing/2014/main" id="{CAD763F2-180F-4AD4-858A-077BF3BFA023}"/>
+                <a16:creationId xmlns:a16="http://schemas.microsoft.com/office/drawing/2014/main" xmlns="" id="{CAD763F2-180F-4AD4-858A-077BF3BFA023}"/>
               </a:ext>
             </a:extLst>
           </p:cNvPr>
@@ -1968,7 +1968,7 @@
           <p:cNvPr id="3" name="Дата 2">
             <a:extLst>
               <a:ext uri="{FF2B5EF4-FFF2-40B4-BE49-F238E27FC236}">
-                <a16:creationId xmlns:a16="http://schemas.microsoft.com/office/drawing/2014/main" id="{CAF3FF68-6D8F-4C2F-8F8E-345FA62DD145}"/>
+                <a16:creationId xmlns:a16="http://schemas.microsoft.com/office/drawing/2014/main" xmlns="" id="{CAF3FF68-6D8F-4C2F-8F8E-345FA62DD145}"/>
               </a:ext>
             </a:extLst>
           </p:cNvPr>
@@ -1986,7 +1986,7 @@
           <a:p>
             <a:fld id="{B9E40912-773D-4C01-815F-02B5A41D867C}" type="datetimeFigureOut">
               <a:rPr lang="x-none" smtClean="0"/>
-              <a:t>28.12.2020</a:t>
+              <a:t>03.01.2021</a:t>
             </a:fld>
             <a:endParaRPr lang="x-none"/>
           </a:p>
@@ -1997,7 +1997,7 @@
           <p:cNvPr id="4" name="Нижний колонтитул 3">
             <a:extLst>
               <a:ext uri="{FF2B5EF4-FFF2-40B4-BE49-F238E27FC236}">
-                <a16:creationId xmlns:a16="http://schemas.microsoft.com/office/drawing/2014/main" id="{B593FACB-6E9A-4957-806D-21C83575B6B0}"/>
+                <a16:creationId xmlns:a16="http://schemas.microsoft.com/office/drawing/2014/main" xmlns="" id="{B593FACB-6E9A-4957-806D-21C83575B6B0}"/>
               </a:ext>
             </a:extLst>
           </p:cNvPr>
@@ -2022,7 +2022,7 @@
           <p:cNvPr id="5" name="Номер слайда 4">
             <a:extLst>
               <a:ext uri="{FF2B5EF4-FFF2-40B4-BE49-F238E27FC236}">
-                <a16:creationId xmlns:a16="http://schemas.microsoft.com/office/drawing/2014/main" id="{E8F3534E-2C5C-454D-9003-28D75BBC9EB9}"/>
+                <a16:creationId xmlns:a16="http://schemas.microsoft.com/office/drawing/2014/main" xmlns="" id="{E8F3534E-2C5C-454D-9003-28D75BBC9EB9}"/>
               </a:ext>
             </a:extLst>
           </p:cNvPr>
@@ -2081,7 +2081,7 @@
           <p:cNvPr id="2" name="Дата 1">
             <a:extLst>
               <a:ext uri="{FF2B5EF4-FFF2-40B4-BE49-F238E27FC236}">
-                <a16:creationId xmlns:a16="http://schemas.microsoft.com/office/drawing/2014/main" id="{5904461B-908C-4C87-B202-E9438B53767F}"/>
+                <a16:creationId xmlns:a16="http://schemas.microsoft.com/office/drawing/2014/main" xmlns="" id="{5904461B-908C-4C87-B202-E9438B53767F}"/>
               </a:ext>
             </a:extLst>
           </p:cNvPr>
@@ -2099,7 +2099,7 @@
           <a:p>
             <a:fld id="{B9E40912-773D-4C01-815F-02B5A41D867C}" type="datetimeFigureOut">
               <a:rPr lang="x-none" smtClean="0"/>
-              <a:t>28.12.2020</a:t>
+              <a:t>03.01.2021</a:t>
             </a:fld>
             <a:endParaRPr lang="x-none"/>
           </a:p>
@@ -2110,7 +2110,7 @@
           <p:cNvPr id="3" name="Нижний колонтитул 2">
             <a:extLst>
               <a:ext uri="{FF2B5EF4-FFF2-40B4-BE49-F238E27FC236}">
-                <a16:creationId xmlns:a16="http://schemas.microsoft.com/office/drawing/2014/main" id="{F07A795F-47EE-42D4-962F-02B63C3C2F04}"/>
+                <a16:creationId xmlns:a16="http://schemas.microsoft.com/office/drawing/2014/main" xmlns="" id="{F07A795F-47EE-42D4-962F-02B63C3C2F04}"/>
               </a:ext>
             </a:extLst>
           </p:cNvPr>
@@ -2135,7 +2135,7 @@
           <p:cNvPr id="4" name="Номер слайда 3">
             <a:extLst>
               <a:ext uri="{FF2B5EF4-FFF2-40B4-BE49-F238E27FC236}">
-                <a16:creationId xmlns:a16="http://schemas.microsoft.com/office/drawing/2014/main" id="{CEC2BF09-8F9F-47F5-A458-C72F37F4C63E}"/>
+                <a16:creationId xmlns:a16="http://schemas.microsoft.com/office/drawing/2014/main" xmlns="" id="{CEC2BF09-8F9F-47F5-A458-C72F37F4C63E}"/>
               </a:ext>
             </a:extLst>
           </p:cNvPr>
@@ -2194,7 +2194,7 @@
           <p:cNvPr id="2" name="Заголовок 1">
             <a:extLst>
               <a:ext uri="{FF2B5EF4-FFF2-40B4-BE49-F238E27FC236}">
-                <a16:creationId xmlns:a16="http://schemas.microsoft.com/office/drawing/2014/main" id="{97981233-AF54-4FBB-818C-B906FF0DFA7B}"/>
+                <a16:creationId xmlns:a16="http://schemas.microsoft.com/office/drawing/2014/main" xmlns="" id="{97981233-AF54-4FBB-818C-B906FF0DFA7B}"/>
               </a:ext>
             </a:extLst>
           </p:cNvPr>
@@ -2232,7 +2232,7 @@
           <p:cNvPr id="3" name="Объект 2">
             <a:extLst>
               <a:ext uri="{FF2B5EF4-FFF2-40B4-BE49-F238E27FC236}">
-                <a16:creationId xmlns:a16="http://schemas.microsoft.com/office/drawing/2014/main" id="{6815CE52-472A-4C7C-A58C-374DE0E8FEA7}"/>
+                <a16:creationId xmlns:a16="http://schemas.microsoft.com/office/drawing/2014/main" xmlns="" id="{6815CE52-472A-4C7C-A58C-374DE0E8FEA7}"/>
               </a:ext>
             </a:extLst>
           </p:cNvPr>
@@ -2323,7 +2323,7 @@
           <p:cNvPr id="4" name="Текст 3">
             <a:extLst>
               <a:ext uri="{FF2B5EF4-FFF2-40B4-BE49-F238E27FC236}">
-                <a16:creationId xmlns:a16="http://schemas.microsoft.com/office/drawing/2014/main" id="{816D28A1-93FF-48D0-A6FD-3D4FDCAA6519}"/>
+                <a16:creationId xmlns:a16="http://schemas.microsoft.com/office/drawing/2014/main" xmlns="" id="{816D28A1-93FF-48D0-A6FD-3D4FDCAA6519}"/>
               </a:ext>
             </a:extLst>
           </p:cNvPr>
@@ -2394,7 +2394,7 @@
           <p:cNvPr id="5" name="Дата 4">
             <a:extLst>
               <a:ext uri="{FF2B5EF4-FFF2-40B4-BE49-F238E27FC236}">
-                <a16:creationId xmlns:a16="http://schemas.microsoft.com/office/drawing/2014/main" id="{422AFC7C-89C6-4E7A-A186-F9EB29FD38F1}"/>
+                <a16:creationId xmlns:a16="http://schemas.microsoft.com/office/drawing/2014/main" xmlns="" id="{422AFC7C-89C6-4E7A-A186-F9EB29FD38F1}"/>
               </a:ext>
             </a:extLst>
           </p:cNvPr>
@@ -2412,7 +2412,7 @@
           <a:p>
             <a:fld id="{B9E40912-773D-4C01-815F-02B5A41D867C}" type="datetimeFigureOut">
               <a:rPr lang="x-none" smtClean="0"/>
-              <a:t>28.12.2020</a:t>
+              <a:t>03.01.2021</a:t>
             </a:fld>
             <a:endParaRPr lang="x-none"/>
           </a:p>
@@ -2423,7 +2423,7 @@
           <p:cNvPr id="6" name="Нижний колонтитул 5">
             <a:extLst>
               <a:ext uri="{FF2B5EF4-FFF2-40B4-BE49-F238E27FC236}">
-                <a16:creationId xmlns:a16="http://schemas.microsoft.com/office/drawing/2014/main" id="{23A09B67-338A-42D5-A152-C5BFB4F59F14}"/>
+                <a16:creationId xmlns:a16="http://schemas.microsoft.com/office/drawing/2014/main" xmlns="" id="{23A09B67-338A-42D5-A152-C5BFB4F59F14}"/>
               </a:ext>
             </a:extLst>
           </p:cNvPr>
@@ -2448,7 +2448,7 @@
           <p:cNvPr id="7" name="Номер слайда 6">
             <a:extLst>
               <a:ext uri="{FF2B5EF4-FFF2-40B4-BE49-F238E27FC236}">
-                <a16:creationId xmlns:a16="http://schemas.microsoft.com/office/drawing/2014/main" id="{F2F009DB-80B1-453E-B7CA-C0CF83CD90CC}"/>
+                <a16:creationId xmlns:a16="http://schemas.microsoft.com/office/drawing/2014/main" xmlns="" id="{F2F009DB-80B1-453E-B7CA-C0CF83CD90CC}"/>
               </a:ext>
             </a:extLst>
           </p:cNvPr>
@@ -2507,7 +2507,7 @@
           <p:cNvPr id="2" name="Заголовок 1">
             <a:extLst>
               <a:ext uri="{FF2B5EF4-FFF2-40B4-BE49-F238E27FC236}">
-                <a16:creationId xmlns:a16="http://schemas.microsoft.com/office/drawing/2014/main" id="{737EF785-BD4E-4784-AA62-EBC9B784F984}"/>
+                <a16:creationId xmlns:a16="http://schemas.microsoft.com/office/drawing/2014/main" xmlns="" id="{737EF785-BD4E-4784-AA62-EBC9B784F984}"/>
               </a:ext>
             </a:extLst>
           </p:cNvPr>
@@ -2545,7 +2545,7 @@
           <p:cNvPr id="3" name="Рисунок 2">
             <a:extLst>
               <a:ext uri="{FF2B5EF4-FFF2-40B4-BE49-F238E27FC236}">
-                <a16:creationId xmlns:a16="http://schemas.microsoft.com/office/drawing/2014/main" id="{715EC331-8DDF-44DC-A185-6612B9EFEE56}"/>
+                <a16:creationId xmlns:a16="http://schemas.microsoft.com/office/drawing/2014/main" xmlns="" id="{715EC331-8DDF-44DC-A185-6612B9EFEE56}"/>
               </a:ext>
             </a:extLst>
           </p:cNvPr>
@@ -2612,7 +2612,7 @@
           <p:cNvPr id="4" name="Текст 3">
             <a:extLst>
               <a:ext uri="{FF2B5EF4-FFF2-40B4-BE49-F238E27FC236}">
-                <a16:creationId xmlns:a16="http://schemas.microsoft.com/office/drawing/2014/main" id="{66CFC18A-6901-41FD-97C8-EE0769080870}"/>
+                <a16:creationId xmlns:a16="http://schemas.microsoft.com/office/drawing/2014/main" xmlns="" id="{66CFC18A-6901-41FD-97C8-EE0769080870}"/>
               </a:ext>
             </a:extLst>
           </p:cNvPr>
@@ -2683,7 +2683,7 @@
           <p:cNvPr id="5" name="Дата 4">
             <a:extLst>
               <a:ext uri="{FF2B5EF4-FFF2-40B4-BE49-F238E27FC236}">
-                <a16:creationId xmlns:a16="http://schemas.microsoft.com/office/drawing/2014/main" id="{3CFC329F-4169-4115-8EE4-DAE1F005528A}"/>
+                <a16:creationId xmlns:a16="http://schemas.microsoft.com/office/drawing/2014/main" xmlns="" id="{3CFC329F-4169-4115-8EE4-DAE1F005528A}"/>
               </a:ext>
             </a:extLst>
           </p:cNvPr>
@@ -2701,7 +2701,7 @@
           <a:p>
             <a:fld id="{B9E40912-773D-4C01-815F-02B5A41D867C}" type="datetimeFigureOut">
               <a:rPr lang="x-none" smtClean="0"/>
-              <a:t>28.12.2020</a:t>
+              <a:t>03.01.2021</a:t>
             </a:fld>
             <a:endParaRPr lang="x-none"/>
           </a:p>
@@ -2712,7 +2712,7 @@
           <p:cNvPr id="6" name="Нижний колонтитул 5">
             <a:extLst>
               <a:ext uri="{FF2B5EF4-FFF2-40B4-BE49-F238E27FC236}">
-                <a16:creationId xmlns:a16="http://schemas.microsoft.com/office/drawing/2014/main" id="{346B64C3-A31F-46DB-8FC3-3648D3B7CA94}"/>
+                <a16:creationId xmlns:a16="http://schemas.microsoft.com/office/drawing/2014/main" xmlns="" id="{346B64C3-A31F-46DB-8FC3-3648D3B7CA94}"/>
               </a:ext>
             </a:extLst>
           </p:cNvPr>
@@ -2737,7 +2737,7 @@
           <p:cNvPr id="7" name="Номер слайда 6">
             <a:extLst>
               <a:ext uri="{FF2B5EF4-FFF2-40B4-BE49-F238E27FC236}">
-                <a16:creationId xmlns:a16="http://schemas.microsoft.com/office/drawing/2014/main" id="{581AD189-3CF9-473A-89F0-A9C0164C372D}"/>
+                <a16:creationId xmlns:a16="http://schemas.microsoft.com/office/drawing/2014/main" xmlns="" id="{581AD189-3CF9-473A-89F0-A9C0164C372D}"/>
               </a:ext>
             </a:extLst>
           </p:cNvPr>
@@ -2801,7 +2801,7 @@
           <p:cNvPr id="2" name="Заголовок 1">
             <a:extLst>
               <a:ext uri="{FF2B5EF4-FFF2-40B4-BE49-F238E27FC236}">
-                <a16:creationId xmlns:a16="http://schemas.microsoft.com/office/drawing/2014/main" id="{3382965C-7024-46A5-8044-CACFE07DB499}"/>
+                <a16:creationId xmlns:a16="http://schemas.microsoft.com/office/drawing/2014/main" xmlns="" id="{3382965C-7024-46A5-8044-CACFE07DB499}"/>
               </a:ext>
             </a:extLst>
           </p:cNvPr>
@@ -2840,7 +2840,7 @@
           <p:cNvPr id="3" name="Текст 2">
             <a:extLst>
               <a:ext uri="{FF2B5EF4-FFF2-40B4-BE49-F238E27FC236}">
-                <a16:creationId xmlns:a16="http://schemas.microsoft.com/office/drawing/2014/main" id="{50293943-AE45-4FED-B8F8-3F68A9C85424}"/>
+                <a16:creationId xmlns:a16="http://schemas.microsoft.com/office/drawing/2014/main" xmlns="" id="{50293943-AE45-4FED-B8F8-3F68A9C85424}"/>
               </a:ext>
             </a:extLst>
           </p:cNvPr>
@@ -2908,7 +2908,7 @@
           <p:cNvPr id="4" name="Дата 3">
             <a:extLst>
               <a:ext uri="{FF2B5EF4-FFF2-40B4-BE49-F238E27FC236}">
-                <a16:creationId xmlns:a16="http://schemas.microsoft.com/office/drawing/2014/main" id="{EC974E58-A5DC-4DE1-82A2-E71E3D5DFC94}"/>
+                <a16:creationId xmlns:a16="http://schemas.microsoft.com/office/drawing/2014/main" xmlns="" id="{EC974E58-A5DC-4DE1-82A2-E71E3D5DFC94}"/>
               </a:ext>
             </a:extLst>
           </p:cNvPr>
@@ -2944,7 +2944,7 @@
           <a:p>
             <a:fld id="{B9E40912-773D-4C01-815F-02B5A41D867C}" type="datetimeFigureOut">
               <a:rPr lang="x-none" smtClean="0"/>
-              <a:t>28.12.2020</a:t>
+              <a:t>03.01.2021</a:t>
             </a:fld>
             <a:endParaRPr lang="x-none"/>
           </a:p>
@@ -2955,7 +2955,7 @@
           <p:cNvPr id="5" name="Нижний колонтитул 4">
             <a:extLst>
               <a:ext uri="{FF2B5EF4-FFF2-40B4-BE49-F238E27FC236}">
-                <a16:creationId xmlns:a16="http://schemas.microsoft.com/office/drawing/2014/main" id="{AEE4BE9B-67B7-4CFE-8F54-67C5A628DFF3}"/>
+                <a16:creationId xmlns:a16="http://schemas.microsoft.com/office/drawing/2014/main" xmlns="" id="{AEE4BE9B-67B7-4CFE-8F54-67C5A628DFF3}"/>
               </a:ext>
             </a:extLst>
           </p:cNvPr>
@@ -2998,7 +2998,7 @@
           <p:cNvPr id="6" name="Номер слайда 5">
             <a:extLst>
               <a:ext uri="{FF2B5EF4-FFF2-40B4-BE49-F238E27FC236}">
-                <a16:creationId xmlns:a16="http://schemas.microsoft.com/office/drawing/2014/main" id="{EE6D1371-D084-45B3-8B81-8EBD3DEEEC3E}"/>
+                <a16:creationId xmlns:a16="http://schemas.microsoft.com/office/drawing/2014/main" xmlns="" id="{EE6D1371-D084-45B3-8B81-8EBD3DEEEC3E}"/>
               </a:ext>
             </a:extLst>
           </p:cNvPr>
@@ -3366,7 +3366,7 @@
           <p:cNvPr id="2" name="Заголовок 1">
             <a:extLst>
               <a:ext uri="{FF2B5EF4-FFF2-40B4-BE49-F238E27FC236}">
-                <a16:creationId xmlns:a16="http://schemas.microsoft.com/office/drawing/2014/main" id="{5D34D5AB-D328-45F9-8CED-A85C8EA793E1}"/>
+                <a16:creationId xmlns:a16="http://schemas.microsoft.com/office/drawing/2014/main" xmlns="" id="{5D34D5AB-D328-45F9-8CED-A85C8EA793E1}"/>
               </a:ext>
             </a:extLst>
           </p:cNvPr>
@@ -3451,7 +3451,7 @@
           <p:cNvPr id="5" name="AutoShape 2" descr="Multirate Signal Processing Using multirate_helper — scikit-dsp-comm 1.2.0  documentation">
             <a:extLst>
               <a:ext uri="{FF2B5EF4-FFF2-40B4-BE49-F238E27FC236}">
-                <a16:creationId xmlns:a16="http://schemas.microsoft.com/office/drawing/2014/main" id="{5FC297A1-153E-40F4-863A-0B94BC97A2AA}"/>
+                <a16:creationId xmlns:a16="http://schemas.microsoft.com/office/drawing/2014/main" xmlns="" id="{5FC297A1-153E-40F4-863A-0B94BC97A2AA}"/>
               </a:ext>
             </a:extLst>
           </p:cNvPr>
@@ -3496,7 +3496,7 @@
           <p:cNvPr id="2050" name="Picture 2" descr="It is not too late to learn FPGA: Getting Started with programmable logic -  Atadiat">
             <a:extLst>
               <a:ext uri="{FF2B5EF4-FFF2-40B4-BE49-F238E27FC236}">
-                <a16:creationId xmlns:a16="http://schemas.microsoft.com/office/drawing/2014/main" id="{46A6BFA5-9DA6-466F-B3D7-3CDFAA099364}"/>
+                <a16:creationId xmlns:a16="http://schemas.microsoft.com/office/drawing/2014/main" xmlns="" id="{46A6BFA5-9DA6-466F-B3D7-3CDFAA099364}"/>
               </a:ext>
             </a:extLst>
           </p:cNvPr>
@@ -3632,7 +3632,7 @@
           <p:cNvPr id="4" name="Рисунок 3">
             <a:extLst>
               <a:ext uri="{FF2B5EF4-FFF2-40B4-BE49-F238E27FC236}">
-                <a16:creationId xmlns:a16="http://schemas.microsoft.com/office/drawing/2014/main" id="{B852981F-662B-4398-AA17-D27D92F8A735}"/>
+                <a16:creationId xmlns:a16="http://schemas.microsoft.com/office/drawing/2014/main" xmlns="" id="{B852981F-662B-4398-AA17-D27D92F8A735}"/>
               </a:ext>
             </a:extLst>
           </p:cNvPr>
@@ -3649,8 +3649,44 @@
         </p:blipFill>
         <p:spPr>
           <a:xfrm>
-            <a:off x="111432" y="1368011"/>
+            <a:off x="111432" y="2041111"/>
             <a:ext cx="11943616" cy="4331331"/>
+          </a:xfrm>
+          <a:prstGeom prst="rect">
+            <a:avLst/>
+          </a:prstGeom>
+        </p:spPr>
+      </p:pic>
+      <p:pic>
+        <p:nvPicPr>
+          <p:cNvPr id="5" name="Рисунок 4">
+            <a:extLst>
+              <a:ext uri="{FF2B5EF4-FFF2-40B4-BE49-F238E27FC236}">
+                <a16:creationId xmlns:a16="http://schemas.microsoft.com/office/drawing/2014/main" xmlns="" id="{D9D5D9C0-7022-4CAB-B807-9236F5F02834}"/>
+              </a:ext>
+            </a:extLst>
+          </p:cNvPr>
+          <p:cNvPicPr>
+            <a:picLocks noChangeAspect="1"/>
+          </p:cNvPicPr>
+          <p:nvPr/>
+        </p:nvPicPr>
+        <p:blipFill>
+          <a:blip r:embed="rId3">
+            <a:extLst>
+              <a:ext uri="{28A0092B-C50C-407E-A947-70E740481C1C}">
+                <a14:useLocalDpi xmlns:a14="http://schemas.microsoft.com/office/drawing/2010/main" val="0"/>
+              </a:ext>
+            </a:extLst>
+          </a:blip>
+          <a:stretch>
+            <a:fillRect/>
+          </a:stretch>
+        </p:blipFill>
+        <p:spPr>
+          <a:xfrm>
+            <a:off x="6705600" y="789647"/>
+            <a:ext cx="4394769" cy="3417129"/>
           </a:xfrm>
           <a:prstGeom prst="rect">
             <a:avLst/>
@@ -3692,7 +3728,7 @@
           <p:cNvPr id="2" name="Заголовок 1">
             <a:extLst>
               <a:ext uri="{FF2B5EF4-FFF2-40B4-BE49-F238E27FC236}">
-                <a16:creationId xmlns:a16="http://schemas.microsoft.com/office/drawing/2014/main" id="{67F20F10-B46F-4E07-8FAE-CA55E386821F}"/>
+                <a16:creationId xmlns:a16="http://schemas.microsoft.com/office/drawing/2014/main" xmlns="" id="{67F20F10-B46F-4E07-8FAE-CA55E386821F}"/>
               </a:ext>
             </a:extLst>
           </p:cNvPr>
@@ -3726,7 +3762,7 @@
           <p:cNvPr id="16" name="Прямоугольник 15">
             <a:extLst>
               <a:ext uri="{FF2B5EF4-FFF2-40B4-BE49-F238E27FC236}">
-                <a16:creationId xmlns:a16="http://schemas.microsoft.com/office/drawing/2014/main" id="{90B6ACF6-AD38-48A1-A00F-991CFD78F818}"/>
+                <a16:creationId xmlns:a16="http://schemas.microsoft.com/office/drawing/2014/main" xmlns="" id="{90B6ACF6-AD38-48A1-A00F-991CFD78F818}"/>
               </a:ext>
             </a:extLst>
           </p:cNvPr>
@@ -3758,10 +3794,10 @@
       </p:sp>
       <p:pic>
         <p:nvPicPr>
-          <p:cNvPr id="6" name="Рисунок 5">
-            <a:extLst>
-              <a:ext uri="{FF2B5EF4-FFF2-40B4-BE49-F238E27FC236}">
-                <a16:creationId xmlns:a16="http://schemas.microsoft.com/office/drawing/2014/main" id="{D9D5D9C0-7022-4CAB-B807-9236F5F02834}"/>
+          <p:cNvPr id="8" name="Рисунок 7">
+            <a:extLst>
+              <a:ext uri="{FF2B5EF4-FFF2-40B4-BE49-F238E27FC236}">
+                <a16:creationId xmlns:a16="http://schemas.microsoft.com/office/drawing/2014/main" xmlns="" id="{24449753-1236-4A30-9E1A-00CB60BC8DA3}"/>
               </a:ext>
             </a:extLst>
           </p:cNvPr>
@@ -3784,44 +3820,8 @@
         </p:blipFill>
         <p:spPr>
           <a:xfrm>
-            <a:off x="6317361" y="1727200"/>
-            <a:ext cx="5842629" cy="4542905"/>
-          </a:xfrm>
-          <a:prstGeom prst="rect">
-            <a:avLst/>
-          </a:prstGeom>
-        </p:spPr>
-      </p:pic>
-      <p:pic>
-        <p:nvPicPr>
-          <p:cNvPr id="8" name="Рисунок 7">
-            <a:extLst>
-              <a:ext uri="{FF2B5EF4-FFF2-40B4-BE49-F238E27FC236}">
-                <a16:creationId xmlns:a16="http://schemas.microsoft.com/office/drawing/2014/main" id="{24449753-1236-4A30-9E1A-00CB60BC8DA3}"/>
-              </a:ext>
-            </a:extLst>
-          </p:cNvPr>
-          <p:cNvPicPr>
-            <a:picLocks noChangeAspect="1"/>
-          </p:cNvPicPr>
-          <p:nvPr/>
-        </p:nvPicPr>
-        <p:blipFill>
-          <a:blip r:embed="rId3">
-            <a:extLst>
-              <a:ext uri="{28A0092B-C50C-407E-A947-70E740481C1C}">
-                <a14:useLocalDpi xmlns:a14="http://schemas.microsoft.com/office/drawing/2010/main" val="0"/>
-              </a:ext>
-            </a:extLst>
-          </a:blip>
-          <a:stretch>
-            <a:fillRect/>
-          </a:stretch>
-        </p:blipFill>
-        <p:spPr>
-          <a:xfrm>
-            <a:off x="32010" y="1727200"/>
-            <a:ext cx="6417507" cy="3994332"/>
+            <a:off x="1886210" y="1132069"/>
+            <a:ext cx="8603990" cy="5355225"/>
           </a:xfrm>
           <a:prstGeom prst="rect">
             <a:avLst/>
@@ -3863,7 +3863,7 @@
           <p:cNvPr id="7" name="Прямоугольник 6">
             <a:extLst>
               <a:ext uri="{FF2B5EF4-FFF2-40B4-BE49-F238E27FC236}">
-                <a16:creationId xmlns:a16="http://schemas.microsoft.com/office/drawing/2014/main" id="{F2CB82A3-BC42-439C-8182-8CF4B14CDCB0}"/>
+                <a16:creationId xmlns:a16="http://schemas.microsoft.com/office/drawing/2014/main" xmlns="" id="{F2CB82A3-BC42-439C-8182-8CF4B14CDCB0}"/>
               </a:ext>
             </a:extLst>
           </p:cNvPr>
@@ -3898,7 +3898,7 @@
           <p:cNvPr id="5" name="Заголовок 1">
             <a:extLst>
               <a:ext uri="{FF2B5EF4-FFF2-40B4-BE49-F238E27FC236}">
-                <a16:creationId xmlns:a16="http://schemas.microsoft.com/office/drawing/2014/main" id="{E7C31C4F-046E-4D09-A954-79188054440F}"/>
+                <a16:creationId xmlns:a16="http://schemas.microsoft.com/office/drawing/2014/main" xmlns="" id="{E7C31C4F-046E-4D09-A954-79188054440F}"/>
               </a:ext>
             </a:extLst>
           </p:cNvPr>
@@ -3932,7 +3932,7 @@
           <p:cNvPr id="4" name="Рисунок 3">
             <a:extLst>
               <a:ext uri="{FF2B5EF4-FFF2-40B4-BE49-F238E27FC236}">
-                <a16:creationId xmlns:a16="http://schemas.microsoft.com/office/drawing/2014/main" id="{CE423FCB-3BA5-433C-9A08-91FBAFE8FD0E}"/>
+                <a16:creationId xmlns:a16="http://schemas.microsoft.com/office/drawing/2014/main" xmlns="" id="{CE423FCB-3BA5-433C-9A08-91FBAFE8FD0E}"/>
               </a:ext>
             </a:extLst>
           </p:cNvPr>
@@ -3962,7 +3962,7 @@
           <p:cNvPr id="8" name="Рисунок 7">
             <a:extLst>
               <a:ext uri="{FF2B5EF4-FFF2-40B4-BE49-F238E27FC236}">
-                <a16:creationId xmlns:a16="http://schemas.microsoft.com/office/drawing/2014/main" id="{62B958C5-25B1-4B6D-80C6-801CAA25F0E9}"/>
+                <a16:creationId xmlns:a16="http://schemas.microsoft.com/office/drawing/2014/main" xmlns="" id="{62B958C5-25B1-4B6D-80C6-801CAA25F0E9}"/>
               </a:ext>
             </a:extLst>
           </p:cNvPr>
@@ -3992,7 +3992,7 @@
           <p:cNvPr id="11" name="Рисунок 10">
             <a:extLst>
               <a:ext uri="{FF2B5EF4-FFF2-40B4-BE49-F238E27FC236}">
-                <a16:creationId xmlns:a16="http://schemas.microsoft.com/office/drawing/2014/main" id="{C1072D8A-4BBC-42A3-9DC6-7392919F5FB2}"/>
+                <a16:creationId xmlns:a16="http://schemas.microsoft.com/office/drawing/2014/main" xmlns="" id="{C1072D8A-4BBC-42A3-9DC6-7392919F5FB2}"/>
               </a:ext>
             </a:extLst>
           </p:cNvPr>
@@ -4022,7 +4022,7 @@
           <p:cNvPr id="13" name="Рисунок 12">
             <a:extLst>
               <a:ext uri="{FF2B5EF4-FFF2-40B4-BE49-F238E27FC236}">
-                <a16:creationId xmlns:a16="http://schemas.microsoft.com/office/drawing/2014/main" id="{38644337-26FE-4770-AEE7-E6DCB0CDE2C6}"/>
+                <a16:creationId xmlns:a16="http://schemas.microsoft.com/office/drawing/2014/main" xmlns="" id="{38644337-26FE-4770-AEE7-E6DCB0CDE2C6}"/>
               </a:ext>
             </a:extLst>
           </p:cNvPr>
@@ -4349,7 +4349,7 @@
   <a:extraClrSchemeLst/>
   <a:extLst>
     <a:ext uri="{05A4C25C-085E-4340-85A3-A5531E510DB2}">
-      <thm15:themeFamily xmlns:thm15="http://schemas.microsoft.com/office/thememl/2012/main" name="Office Theme" id="{62F939B6-93AF-4DB8-9C6B-D6C7DFDC589F}" vid="{4A3C46E8-61CC-4603-A589-7422A47A8E4A}"/>
+      <thm15:themeFamily xmlns:thm15="http://schemas.microsoft.com/office/thememl/2012/main" xmlns="" name="Office Theme" id="{62F939B6-93AF-4DB8-9C6B-D6C7DFDC589F}" vid="{4A3C46E8-61CC-4603-A589-7422A47A8E4A}"/>
     </a:ext>
   </a:extLst>
 </a:theme>
